--- a/Презентация.pptx
+++ b/Презентация.pptx
@@ -9,7 +9,9 @@
     <p:sldId id="260" r:id="rId3"/>
     <p:sldId id="261" r:id="rId4"/>
     <p:sldId id="262" r:id="rId5"/>
-    <p:sldId id="257" r:id="rId6"/>
+    <p:sldId id="263" r:id="rId6"/>
+    <p:sldId id="264" r:id="rId7"/>
+    <p:sldId id="257" r:id="rId8"/>
   </p:sldIdLst>
   <p:sldSz cx="12192000" cy="6858000"/>
   <p:notesSz cx="6858000" cy="9144000"/>
@@ -263,7 +265,7 @@
           <a:p>
             <a:fld id="{6CE7DE40-EE70-44D2-8312-5C7C4A62D62E}" type="datetimeFigureOut">
               <a:rPr lang="ru-RU" smtClean="0"/>
-              <a:t>09.12.2022</a:t>
+              <a:t>10.12.2022</a:t>
             </a:fld>
             <a:endParaRPr lang="ru-RU"/>
           </a:p>
@@ -461,7 +463,7 @@
           <a:p>
             <a:fld id="{6CE7DE40-EE70-44D2-8312-5C7C4A62D62E}" type="datetimeFigureOut">
               <a:rPr lang="ru-RU" smtClean="0"/>
-              <a:t>09.12.2022</a:t>
+              <a:t>10.12.2022</a:t>
             </a:fld>
             <a:endParaRPr lang="ru-RU"/>
           </a:p>
@@ -669,7 +671,7 @@
           <a:p>
             <a:fld id="{6CE7DE40-EE70-44D2-8312-5C7C4A62D62E}" type="datetimeFigureOut">
               <a:rPr lang="ru-RU" smtClean="0"/>
-              <a:t>09.12.2022</a:t>
+              <a:t>10.12.2022</a:t>
             </a:fld>
             <a:endParaRPr lang="ru-RU"/>
           </a:p>
@@ -867,7 +869,7 @@
           <a:p>
             <a:fld id="{6CE7DE40-EE70-44D2-8312-5C7C4A62D62E}" type="datetimeFigureOut">
               <a:rPr lang="ru-RU" smtClean="0"/>
-              <a:t>09.12.2022</a:t>
+              <a:t>10.12.2022</a:t>
             </a:fld>
             <a:endParaRPr lang="ru-RU"/>
           </a:p>
@@ -1142,7 +1144,7 @@
           <a:p>
             <a:fld id="{6CE7DE40-EE70-44D2-8312-5C7C4A62D62E}" type="datetimeFigureOut">
               <a:rPr lang="ru-RU" smtClean="0"/>
-              <a:t>09.12.2022</a:t>
+              <a:t>10.12.2022</a:t>
             </a:fld>
             <a:endParaRPr lang="ru-RU"/>
           </a:p>
@@ -1407,7 +1409,7 @@
           <a:p>
             <a:fld id="{6CE7DE40-EE70-44D2-8312-5C7C4A62D62E}" type="datetimeFigureOut">
               <a:rPr lang="ru-RU" smtClean="0"/>
-              <a:t>09.12.2022</a:t>
+              <a:t>10.12.2022</a:t>
             </a:fld>
             <a:endParaRPr lang="ru-RU"/>
           </a:p>
@@ -1819,7 +1821,7 @@
           <a:p>
             <a:fld id="{6CE7DE40-EE70-44D2-8312-5C7C4A62D62E}" type="datetimeFigureOut">
               <a:rPr lang="ru-RU" smtClean="0"/>
-              <a:t>09.12.2022</a:t>
+              <a:t>10.12.2022</a:t>
             </a:fld>
             <a:endParaRPr lang="ru-RU"/>
           </a:p>
@@ -1960,7 +1962,7 @@
           <a:p>
             <a:fld id="{6CE7DE40-EE70-44D2-8312-5C7C4A62D62E}" type="datetimeFigureOut">
               <a:rPr lang="ru-RU" smtClean="0"/>
-              <a:t>09.12.2022</a:t>
+              <a:t>10.12.2022</a:t>
             </a:fld>
             <a:endParaRPr lang="ru-RU"/>
           </a:p>
@@ -2073,7 +2075,7 @@
           <a:p>
             <a:fld id="{6CE7DE40-EE70-44D2-8312-5C7C4A62D62E}" type="datetimeFigureOut">
               <a:rPr lang="ru-RU" smtClean="0"/>
-              <a:t>09.12.2022</a:t>
+              <a:t>10.12.2022</a:t>
             </a:fld>
             <a:endParaRPr lang="ru-RU"/>
           </a:p>
@@ -2384,7 +2386,7 @@
           <a:p>
             <a:fld id="{6CE7DE40-EE70-44D2-8312-5C7C4A62D62E}" type="datetimeFigureOut">
               <a:rPr lang="ru-RU" smtClean="0"/>
-              <a:t>09.12.2022</a:t>
+              <a:t>10.12.2022</a:t>
             </a:fld>
             <a:endParaRPr lang="ru-RU"/>
           </a:p>
@@ -2672,7 +2674,7 @@
           <a:p>
             <a:fld id="{6CE7DE40-EE70-44D2-8312-5C7C4A62D62E}" type="datetimeFigureOut">
               <a:rPr lang="ru-RU" smtClean="0"/>
-              <a:t>09.12.2022</a:t>
+              <a:t>10.12.2022</a:t>
             </a:fld>
             <a:endParaRPr lang="ru-RU"/>
           </a:p>
@@ -2913,7 +2915,7 @@
           <a:p>
             <a:fld id="{6CE7DE40-EE70-44D2-8312-5C7C4A62D62E}" type="datetimeFigureOut">
               <a:rPr lang="ru-RU" smtClean="0"/>
-              <a:t>09.12.2022</a:t>
+              <a:t>10.12.2022</a:t>
             </a:fld>
             <a:endParaRPr lang="ru-RU"/>
           </a:p>
@@ -3505,7 +3507,7 @@
         </p:blipFill>
         <p:spPr>
           <a:xfrm>
-            <a:off x="929640" y="3808718"/>
+            <a:off x="1261872" y="3964166"/>
             <a:ext cx="9668256" cy="2780580"/>
           </a:xfrm>
         </p:spPr>
@@ -3524,7 +3526,7 @@
         </p:nvSpPr>
         <p:spPr>
           <a:xfrm>
-            <a:off x="838200" y="1810697"/>
+            <a:off x="838200" y="1691466"/>
             <a:ext cx="8666226" cy="2308324"/>
           </a:xfrm>
           <a:prstGeom prst="rect">
@@ -4034,8 +4036,8 @@
         </p:nvSpPr>
         <p:spPr>
           <a:xfrm>
-            <a:off x="838200" y="1805456"/>
-            <a:ext cx="9933432" cy="1200329"/>
+            <a:off x="838200" y="1690688"/>
+            <a:ext cx="7144512" cy="1200329"/>
           </a:xfrm>
           <a:prstGeom prst="rect">
             <a:avLst/>
@@ -4348,7 +4350,7 @@
         </p:blipFill>
         <p:spPr>
           <a:xfrm>
-            <a:off x="1643063" y="2948456"/>
+            <a:off x="1710023" y="2973948"/>
             <a:ext cx="8771954" cy="3884052"/>
           </a:xfrm>
           <a:prstGeom prst="rect">
@@ -4507,6 +4509,516 @@
 </file>
 
 <file path=ppt/slides/slide5.xml><?xml version="1.0" encoding="utf-8"?>
+<p:sld xmlns:a="http://schemas.openxmlformats.org/drawingml/2006/main" xmlns:r="http://schemas.openxmlformats.org/officeDocument/2006/relationships" xmlns:p="http://schemas.openxmlformats.org/presentationml/2006/main">
+  <p:cSld>
+    <p:spTree>
+      <p:nvGrpSpPr>
+        <p:cNvPr id="1" name=""/>
+        <p:cNvGrpSpPr/>
+        <p:nvPr/>
+      </p:nvGrpSpPr>
+      <p:grpSpPr>
+        <a:xfrm>
+          <a:off x="0" y="0"/>
+          <a:ext cx="0" cy="0"/>
+          <a:chOff x="0" y="0"/>
+          <a:chExt cx="0" cy="0"/>
+        </a:xfrm>
+      </p:grpSpPr>
+      <p:sp>
+        <p:nvSpPr>
+          <p:cNvPr id="3" name="Объект 2">
+            <a:extLst>
+              <a:ext uri="{FF2B5EF4-FFF2-40B4-BE49-F238E27FC236}">
+                <a16:creationId xmlns:a16="http://schemas.microsoft.com/office/drawing/2014/main" id="{97CD5568-B8AE-47FC-98DF-E07CBCA6EF67}"/>
+              </a:ext>
+            </a:extLst>
+          </p:cNvPr>
+          <p:cNvSpPr>
+            <a:spLocks noGrp="1"/>
+          </p:cNvSpPr>
+          <p:nvPr>
+            <p:ph idx="1"/>
+          </p:nvPr>
+        </p:nvSpPr>
+        <p:spPr>
+          <a:xfrm>
+            <a:off x="838200" y="1825625"/>
+            <a:ext cx="10515600" cy="4392296"/>
+          </a:xfrm>
+        </p:spPr>
+        <p:txBody>
+          <a:bodyPr>
+            <a:normAutofit fontScale="85000" lnSpcReduction="20000"/>
+          </a:bodyPr>
+          <a:lstStyle/>
+          <a:p>
+            <a:pPr marL="0" indent="357188">
+              <a:buNone/>
+            </a:pPr>
+            <a:r>
+              <a:rPr lang="ru-RU" dirty="0"/>
+              <a:t>Проверка скорости во время отрыва снаряда от ложки</a:t>
+            </a:r>
+          </a:p>
+          <a:p>
+            <a:pPr marL="0" indent="357188">
+              <a:buNone/>
+            </a:pPr>
+            <a:r>
+              <a:rPr lang="ru-RU" dirty="0"/>
+              <a:t>Получение фактической скорости в момент отрыва исходя из траектории:</a:t>
+            </a:r>
+          </a:p>
+          <a:p>
+            <a:pPr marL="0" indent="357188">
+              <a:buNone/>
+            </a:pPr>
+            <a:endParaRPr lang="ru-RU" dirty="0"/>
+          </a:p>
+          <a:p>
+            <a:pPr marL="0" indent="357188">
+              <a:buNone/>
+            </a:pPr>
+            <a:endParaRPr lang="ru-RU" dirty="0"/>
+          </a:p>
+          <a:p>
+            <a:pPr marL="0" indent="357188">
+              <a:buNone/>
+            </a:pPr>
+            <a:endParaRPr lang="ru-RU" dirty="0"/>
+          </a:p>
+          <a:p>
+            <a:pPr marL="0" indent="357188">
+              <a:buNone/>
+            </a:pPr>
+            <a:endParaRPr lang="ru-RU" dirty="0"/>
+          </a:p>
+          <a:p>
+            <a:pPr marL="0" indent="357188">
+              <a:buNone/>
+            </a:pPr>
+            <a:endParaRPr lang="ru-RU" dirty="0"/>
+          </a:p>
+          <a:p>
+            <a:pPr marL="0" indent="357188">
+              <a:buNone/>
+            </a:pPr>
+            <a:endParaRPr lang="ru-RU" dirty="0"/>
+          </a:p>
+          <a:p>
+            <a:pPr marL="0" indent="357188">
+              <a:buNone/>
+            </a:pPr>
+            <a:endParaRPr lang="ru-RU" dirty="0"/>
+          </a:p>
+          <a:p>
+            <a:pPr marL="0" indent="357188">
+              <a:buNone/>
+            </a:pPr>
+            <a:endParaRPr lang="ru-RU" dirty="0"/>
+          </a:p>
+          <a:p>
+            <a:pPr marL="0" indent="357188">
+              <a:buNone/>
+            </a:pPr>
+            <a:r>
+              <a:rPr lang="ru-RU" dirty="0"/>
+              <a:t>Это отличается от расчётной скорости 2.41 м/с на 5.12%.</a:t>
+            </a:r>
+          </a:p>
+        </p:txBody>
+      </p:sp>
+      <p:sp>
+        <p:nvSpPr>
+          <p:cNvPr id="2" name="Заголовок 1">
+            <a:extLst>
+              <a:ext uri="{FF2B5EF4-FFF2-40B4-BE49-F238E27FC236}">
+                <a16:creationId xmlns:a16="http://schemas.microsoft.com/office/drawing/2014/main" id="{508FA54B-AF70-431D-9664-36FD39147D40}"/>
+              </a:ext>
+            </a:extLst>
+          </p:cNvPr>
+          <p:cNvSpPr>
+            <a:spLocks noGrp="1"/>
+          </p:cNvSpPr>
+          <p:nvPr>
+            <p:ph type="title"/>
+          </p:nvPr>
+        </p:nvSpPr>
+        <p:spPr/>
+        <p:txBody>
+          <a:bodyPr>
+            <a:noAutofit/>
+          </a:bodyPr>
+          <a:lstStyle/>
+          <a:p>
+            <a:r>
+              <a:rPr lang="ru-RU" sz="3600" dirty="0"/>
+              <a:t>Сравнение фактических параметров механической модели с расчётными параметрами.</a:t>
+            </a:r>
+          </a:p>
+        </p:txBody>
+      </p:sp>
+      <p:pic>
+        <p:nvPicPr>
+          <p:cNvPr id="5" name="Рисунок 4">
+            <a:extLst>
+              <a:ext uri="{FF2B5EF4-FFF2-40B4-BE49-F238E27FC236}">
+                <a16:creationId xmlns:a16="http://schemas.microsoft.com/office/drawing/2014/main" id="{A08F9C84-2AFF-4DC6-880C-AF4437824B71}"/>
+              </a:ext>
+            </a:extLst>
+          </p:cNvPr>
+          <p:cNvPicPr>
+            <a:picLocks noChangeAspect="1"/>
+          </p:cNvPicPr>
+          <p:nvPr/>
+        </p:nvPicPr>
+        <p:blipFill>
+          <a:blip r:embed="rId2"/>
+          <a:stretch>
+            <a:fillRect/>
+          </a:stretch>
+        </p:blipFill>
+        <p:spPr>
+          <a:xfrm>
+            <a:off x="838200" y="2621825"/>
+            <a:ext cx="4896533" cy="962159"/>
+          </a:xfrm>
+          <a:prstGeom prst="rect">
+            <a:avLst/>
+          </a:prstGeom>
+        </p:spPr>
+      </p:pic>
+      <p:pic>
+        <p:nvPicPr>
+          <p:cNvPr id="7" name="Рисунок 6">
+            <a:extLst>
+              <a:ext uri="{FF2B5EF4-FFF2-40B4-BE49-F238E27FC236}">
+                <a16:creationId xmlns:a16="http://schemas.microsoft.com/office/drawing/2014/main" id="{DED4E7F1-5CBB-48A3-B813-07699305FB7A}"/>
+              </a:ext>
+            </a:extLst>
+          </p:cNvPr>
+          <p:cNvPicPr>
+            <a:picLocks noChangeAspect="1"/>
+          </p:cNvPicPr>
+          <p:nvPr/>
+        </p:nvPicPr>
+        <p:blipFill>
+          <a:blip r:embed="rId3"/>
+          <a:stretch>
+            <a:fillRect/>
+          </a:stretch>
+        </p:blipFill>
+        <p:spPr>
+          <a:xfrm>
+            <a:off x="5734733" y="2848335"/>
+            <a:ext cx="4753638" cy="609685"/>
+          </a:xfrm>
+          <a:prstGeom prst="rect">
+            <a:avLst/>
+          </a:prstGeom>
+        </p:spPr>
+      </p:pic>
+      <p:pic>
+        <p:nvPicPr>
+          <p:cNvPr id="9" name="Рисунок 8">
+            <a:extLst>
+              <a:ext uri="{FF2B5EF4-FFF2-40B4-BE49-F238E27FC236}">
+                <a16:creationId xmlns:a16="http://schemas.microsoft.com/office/drawing/2014/main" id="{7F5B008F-070B-459C-8E4B-8618562AB36B}"/>
+              </a:ext>
+            </a:extLst>
+          </p:cNvPr>
+          <p:cNvPicPr>
+            <a:picLocks noChangeAspect="1"/>
+          </p:cNvPicPr>
+          <p:nvPr/>
+        </p:nvPicPr>
+        <p:blipFill>
+          <a:blip r:embed="rId4"/>
+          <a:stretch>
+            <a:fillRect/>
+          </a:stretch>
+        </p:blipFill>
+        <p:spPr>
+          <a:xfrm>
+            <a:off x="838200" y="3687818"/>
+            <a:ext cx="4182059" cy="895475"/>
+          </a:xfrm>
+          <a:prstGeom prst="rect">
+            <a:avLst/>
+          </a:prstGeom>
+        </p:spPr>
+      </p:pic>
+      <p:pic>
+        <p:nvPicPr>
+          <p:cNvPr id="11" name="Рисунок 10">
+            <a:extLst>
+              <a:ext uri="{FF2B5EF4-FFF2-40B4-BE49-F238E27FC236}">
+                <a16:creationId xmlns:a16="http://schemas.microsoft.com/office/drawing/2014/main" id="{8FC496AA-367D-43D0-989B-2FED28E4B6C3}"/>
+              </a:ext>
+            </a:extLst>
+          </p:cNvPr>
+          <p:cNvPicPr>
+            <a:picLocks noChangeAspect="1"/>
+          </p:cNvPicPr>
+          <p:nvPr/>
+        </p:nvPicPr>
+        <p:blipFill>
+          <a:blip r:embed="rId5"/>
+          <a:stretch>
+            <a:fillRect/>
+          </a:stretch>
+        </p:blipFill>
+        <p:spPr>
+          <a:xfrm>
+            <a:off x="838200" y="4574438"/>
+            <a:ext cx="9535856" cy="800212"/>
+          </a:xfrm>
+          <a:prstGeom prst="rect">
+            <a:avLst/>
+          </a:prstGeom>
+        </p:spPr>
+      </p:pic>
+    </p:spTree>
+    <p:extLst>
+      <p:ext uri="{BB962C8B-B14F-4D97-AF65-F5344CB8AC3E}">
+        <p14:creationId xmlns:p14="http://schemas.microsoft.com/office/powerpoint/2010/main" val="349101767"/>
+      </p:ext>
+    </p:extLst>
+  </p:cSld>
+  <p:clrMapOvr>
+    <a:masterClrMapping/>
+  </p:clrMapOvr>
+</p:sld>
+</file>
+
+<file path=ppt/slides/slide6.xml><?xml version="1.0" encoding="utf-8"?>
+<p:sld xmlns:a="http://schemas.openxmlformats.org/drawingml/2006/main" xmlns:r="http://schemas.openxmlformats.org/officeDocument/2006/relationships" xmlns:p="http://schemas.openxmlformats.org/presentationml/2006/main">
+  <p:cSld>
+    <p:spTree>
+      <p:nvGrpSpPr>
+        <p:cNvPr id="1" name=""/>
+        <p:cNvGrpSpPr/>
+        <p:nvPr/>
+      </p:nvGrpSpPr>
+      <p:grpSpPr>
+        <a:xfrm>
+          <a:off x="0" y="0"/>
+          <a:ext cx="0" cy="0"/>
+          <a:chOff x="0" y="0"/>
+          <a:chExt cx="0" cy="0"/>
+        </a:xfrm>
+      </p:grpSpPr>
+      <p:sp>
+        <p:nvSpPr>
+          <p:cNvPr id="3" name="Объект 2">
+            <a:extLst>
+              <a:ext uri="{FF2B5EF4-FFF2-40B4-BE49-F238E27FC236}">
+                <a16:creationId xmlns:a16="http://schemas.microsoft.com/office/drawing/2014/main" id="{97CD5568-B8AE-47FC-98DF-E07CBCA6EF67}"/>
+              </a:ext>
+            </a:extLst>
+          </p:cNvPr>
+          <p:cNvSpPr>
+            <a:spLocks noGrp="1"/>
+          </p:cNvSpPr>
+          <p:nvPr>
+            <p:ph idx="1"/>
+          </p:nvPr>
+        </p:nvSpPr>
+        <p:spPr>
+          <a:xfrm>
+            <a:off x="838200" y="1825625"/>
+            <a:ext cx="10515600" cy="4392296"/>
+          </a:xfrm>
+        </p:spPr>
+        <p:txBody>
+          <a:bodyPr>
+            <a:normAutofit/>
+          </a:bodyPr>
+          <a:lstStyle/>
+          <a:p>
+            <a:pPr marL="0" indent="357188">
+              <a:buNone/>
+            </a:pPr>
+            <a:r>
+              <a:rPr lang="ru-RU" dirty="0"/>
+              <a:t>Определение коэффициента жёсткости через фактическую скорость:</a:t>
+            </a:r>
+          </a:p>
+          <a:p>
+            <a:pPr marL="0" indent="357188">
+              <a:buNone/>
+            </a:pPr>
+            <a:endParaRPr lang="ru-RU" dirty="0"/>
+          </a:p>
+          <a:p>
+            <a:pPr marL="0" indent="357188">
+              <a:buNone/>
+            </a:pPr>
+            <a:endParaRPr lang="ru-RU" dirty="0"/>
+          </a:p>
+          <a:p>
+            <a:pPr marL="0" indent="357188">
+              <a:buNone/>
+            </a:pPr>
+            <a:endParaRPr lang="ru-RU" dirty="0"/>
+          </a:p>
+          <a:p>
+            <a:pPr marL="0" indent="357188">
+              <a:buNone/>
+            </a:pPr>
+            <a:endParaRPr lang="ru-RU" dirty="0"/>
+          </a:p>
+          <a:p>
+            <a:pPr marL="0" indent="357188">
+              <a:buNone/>
+            </a:pPr>
+            <a:endParaRPr lang="ru-RU" dirty="0"/>
+          </a:p>
+          <a:p>
+            <a:pPr marL="0" indent="357188">
+              <a:buNone/>
+            </a:pPr>
+            <a:r>
+              <a:rPr lang="ru-RU" dirty="0"/>
+              <a:t>Это отличается от экспериментально определенного коэффициента 432.83 Н/м на 8.94%</a:t>
+            </a:r>
+          </a:p>
+        </p:txBody>
+      </p:sp>
+      <p:sp>
+        <p:nvSpPr>
+          <p:cNvPr id="2" name="Заголовок 1">
+            <a:extLst>
+              <a:ext uri="{FF2B5EF4-FFF2-40B4-BE49-F238E27FC236}">
+                <a16:creationId xmlns:a16="http://schemas.microsoft.com/office/drawing/2014/main" id="{508FA54B-AF70-431D-9664-36FD39147D40}"/>
+              </a:ext>
+            </a:extLst>
+          </p:cNvPr>
+          <p:cNvSpPr>
+            <a:spLocks noGrp="1"/>
+          </p:cNvSpPr>
+          <p:nvPr>
+            <p:ph type="title"/>
+          </p:nvPr>
+        </p:nvSpPr>
+        <p:spPr/>
+        <p:txBody>
+          <a:bodyPr>
+            <a:noAutofit/>
+          </a:bodyPr>
+          <a:lstStyle/>
+          <a:p>
+            <a:r>
+              <a:rPr lang="ru-RU" sz="3600" dirty="0"/>
+              <a:t>Сравнение фактических параметров механической модели с расчётными параметрами.</a:t>
+            </a:r>
+          </a:p>
+        </p:txBody>
+      </p:sp>
+      <p:pic>
+        <p:nvPicPr>
+          <p:cNvPr id="6" name="Рисунок 5">
+            <a:extLst>
+              <a:ext uri="{FF2B5EF4-FFF2-40B4-BE49-F238E27FC236}">
+                <a16:creationId xmlns:a16="http://schemas.microsoft.com/office/drawing/2014/main" id="{D5703BC6-9B64-4DF2-8615-CD49A91C7E64}"/>
+              </a:ext>
+            </a:extLst>
+          </p:cNvPr>
+          <p:cNvPicPr>
+            <a:picLocks noChangeAspect="1"/>
+          </p:cNvPicPr>
+          <p:nvPr/>
+        </p:nvPicPr>
+        <p:blipFill>
+          <a:blip r:embed="rId2"/>
+          <a:stretch>
+            <a:fillRect/>
+          </a:stretch>
+        </p:blipFill>
+        <p:spPr>
+          <a:xfrm>
+            <a:off x="2364177" y="2751905"/>
+            <a:ext cx="6582694" cy="647790"/>
+          </a:xfrm>
+          <a:prstGeom prst="rect">
+            <a:avLst/>
+          </a:prstGeom>
+        </p:spPr>
+      </p:pic>
+      <p:pic>
+        <p:nvPicPr>
+          <p:cNvPr id="15" name="Рисунок 14">
+            <a:extLst>
+              <a:ext uri="{FF2B5EF4-FFF2-40B4-BE49-F238E27FC236}">
+                <a16:creationId xmlns:a16="http://schemas.microsoft.com/office/drawing/2014/main" id="{F858634B-DE8A-4994-98AA-5A7F7C9A2F55}"/>
+              </a:ext>
+            </a:extLst>
+          </p:cNvPr>
+          <p:cNvPicPr>
+            <a:picLocks noChangeAspect="1"/>
+          </p:cNvPicPr>
+          <p:nvPr/>
+        </p:nvPicPr>
+        <p:blipFill rotWithShape="1">
+          <a:blip r:embed="rId3"/>
+          <a:srcRect l="703"/>
+          <a:stretch/>
+        </p:blipFill>
+        <p:spPr>
+          <a:xfrm>
+            <a:off x="1335024" y="4363423"/>
+            <a:ext cx="8702613" cy="438212"/>
+          </a:xfrm>
+          <a:prstGeom prst="rect">
+            <a:avLst/>
+          </a:prstGeom>
+        </p:spPr>
+      </p:pic>
+      <p:pic>
+        <p:nvPicPr>
+          <p:cNvPr id="17" name="Рисунок 16">
+            <a:extLst>
+              <a:ext uri="{FF2B5EF4-FFF2-40B4-BE49-F238E27FC236}">
+                <a16:creationId xmlns:a16="http://schemas.microsoft.com/office/drawing/2014/main" id="{AEE95C9E-7FDF-4AF8-BB34-E3AD6787C9CC}"/>
+              </a:ext>
+            </a:extLst>
+          </p:cNvPr>
+          <p:cNvPicPr>
+            <a:picLocks noChangeAspect="1"/>
+          </p:cNvPicPr>
+          <p:nvPr/>
+        </p:nvPicPr>
+        <p:blipFill>
+          <a:blip r:embed="rId4"/>
+          <a:stretch>
+            <a:fillRect/>
+          </a:stretch>
+        </p:blipFill>
+        <p:spPr>
+          <a:xfrm>
+            <a:off x="3640705" y="3467163"/>
+            <a:ext cx="4029637" cy="828791"/>
+          </a:xfrm>
+          <a:prstGeom prst="rect">
+            <a:avLst/>
+          </a:prstGeom>
+        </p:spPr>
+      </p:pic>
+    </p:spTree>
+    <p:extLst>
+      <p:ext uri="{BB962C8B-B14F-4D97-AF65-F5344CB8AC3E}">
+        <p14:creationId xmlns:p14="http://schemas.microsoft.com/office/powerpoint/2010/main" val="1799791935"/>
+      </p:ext>
+    </p:extLst>
+  </p:cSld>
+  <p:clrMapOvr>
+    <a:masterClrMapping/>
+  </p:clrMapOvr>
+</p:sld>
+</file>
+
+<file path=ppt/slides/slide7.xml><?xml version="1.0" encoding="utf-8"?>
 <p:sld xmlns:a="http://schemas.openxmlformats.org/drawingml/2006/main" xmlns:r="http://schemas.openxmlformats.org/officeDocument/2006/relationships" xmlns:p="http://schemas.openxmlformats.org/presentationml/2006/main">
   <p:cSld>
     <p:spTree>
